--- a/作業太陽能發電量預測_林均苔_108B32355.pptx
+++ b/作業太陽能發電量預測_林均苔_108B32355.pptx
@@ -16,6 +16,7 @@
     <p:sldId id="263" r:id="rId10"/>
     <p:sldId id="264" r:id="rId11"/>
     <p:sldId id="265" r:id="rId12"/>
+    <p:sldId id="268" r:id="rId13"/>
   </p:sldIdLst>
   <p:sldSz cx="12192000" cy="6858000"/>
   <p:notesSz cx="6858000" cy="9144000"/>
@@ -4782,7 +4783,7 @@
                   <a:latin typeface="標楷體" panose="03000509000000000000" pitchFamily="65" charset="-120"/>
                   <a:ea typeface="標楷體" panose="03000509000000000000" pitchFamily="65" charset="-120"/>
                 </a:rPr>
-                <a:t>程式碼連結</a:t>
+                <a:t>競賽分數</a:t>
               </a:r>
               <a:endParaRPr lang="ko-KR" altLang="en-US" sz="2400" b="1" dirty="0">
                 <a:solidFill>
@@ -5009,6 +5010,436 @@
       </p:grpSp>
       <p:pic>
         <p:nvPicPr>
+          <p:cNvPr id="6" name="圖片 5">
+            <a:extLst>
+              <a:ext uri="{FF2B5EF4-FFF2-40B4-BE49-F238E27FC236}">
+                <a16:creationId xmlns:a16="http://schemas.microsoft.com/office/drawing/2014/main" id="{53FE8742-84D5-3429-4C92-980379A30587}"/>
+              </a:ext>
+            </a:extLst>
+          </p:cNvPr>
+          <p:cNvPicPr>
+            <a:picLocks noChangeAspect="1"/>
+          </p:cNvPicPr>
+          <p:nvPr/>
+        </p:nvPicPr>
+        <p:blipFill>
+          <a:blip r:embed="rId2"/>
+          <a:stretch>
+            <a:fillRect/>
+          </a:stretch>
+        </p:blipFill>
+        <p:spPr>
+          <a:xfrm>
+            <a:off x="843062" y="3025965"/>
+            <a:ext cx="10807430" cy="509863"/>
+          </a:xfrm>
+          <a:prstGeom prst="rect">
+            <a:avLst/>
+          </a:prstGeom>
+        </p:spPr>
+      </p:pic>
+    </p:spTree>
+    <p:extLst>
+      <p:ext uri="{BB962C8B-B14F-4D97-AF65-F5344CB8AC3E}">
+        <p14:creationId xmlns:p14="http://schemas.microsoft.com/office/powerpoint/2010/main" val="2735205605"/>
+      </p:ext>
+    </p:extLst>
+  </p:cSld>
+  <p:clrMapOvr>
+    <a:masterClrMapping/>
+  </p:clrMapOvr>
+</p:sld>
+</file>
+
+<file path=ppt/slides/slide12.xml><?xml version="1.0" encoding="utf-8"?>
+<p:sld xmlns:a="http://schemas.openxmlformats.org/drawingml/2006/main" xmlns:r="http://schemas.openxmlformats.org/officeDocument/2006/relationships" xmlns:p="http://schemas.openxmlformats.org/presentationml/2006/main">
+  <p:cSld>
+    <p:spTree>
+      <p:nvGrpSpPr>
+        <p:cNvPr id="1" name=""/>
+        <p:cNvGrpSpPr/>
+        <p:nvPr/>
+      </p:nvGrpSpPr>
+      <p:grpSpPr>
+        <a:xfrm>
+          <a:off x="0" y="0"/>
+          <a:ext cx="0" cy="0"/>
+          <a:chOff x="0" y="0"/>
+          <a:chExt cx="0" cy="0"/>
+        </a:xfrm>
+      </p:grpSpPr>
+      <p:grpSp>
+        <p:nvGrpSpPr>
+          <p:cNvPr id="17" name="그룹 1">
+            <a:extLst>
+              <a:ext uri="{FF2B5EF4-FFF2-40B4-BE49-F238E27FC236}">
+                <a16:creationId xmlns:a16="http://schemas.microsoft.com/office/drawing/2014/main" id="{249562EC-F1B4-403F-938B-2B21972BA9EC}"/>
+              </a:ext>
+            </a:extLst>
+          </p:cNvPr>
+          <p:cNvGrpSpPr/>
+          <p:nvPr/>
+        </p:nvGrpSpPr>
+        <p:grpSpPr>
+          <a:xfrm>
+            <a:off x="176892" y="173236"/>
+            <a:ext cx="11838215" cy="6511527"/>
+            <a:chOff x="176892" y="217716"/>
+            <a:chExt cx="11838215" cy="6511527"/>
+          </a:xfrm>
+        </p:grpSpPr>
+        <p:sp>
+          <p:nvSpPr>
+            <p:cNvPr id="18" name="사각형: 둥근 모서리 5">
+              <a:extLst>
+                <a:ext uri="{FF2B5EF4-FFF2-40B4-BE49-F238E27FC236}">
+                  <a16:creationId xmlns:a16="http://schemas.microsoft.com/office/drawing/2014/main" id="{BD55D15F-CB7C-4453-8D48-6467828743B4}"/>
+                </a:ext>
+              </a:extLst>
+            </p:cNvPr>
+            <p:cNvSpPr/>
+            <p:nvPr/>
+          </p:nvSpPr>
+          <p:spPr>
+            <a:xfrm>
+              <a:off x="253093" y="303440"/>
+              <a:ext cx="6147707" cy="639536"/>
+            </a:xfrm>
+            <a:prstGeom prst="roundRect">
+              <a:avLst/>
+            </a:prstGeom>
+            <a:solidFill>
+              <a:srgbClr val="E4C1B1"/>
+            </a:solidFill>
+            <a:ln w="31750">
+              <a:solidFill>
+                <a:srgbClr val="675750"/>
+              </a:solidFill>
+            </a:ln>
+          </p:spPr>
+          <p:style>
+            <a:lnRef idx="2">
+              <a:schemeClr val="accent1">
+                <a:shade val="50000"/>
+              </a:schemeClr>
+            </a:lnRef>
+            <a:fillRef idx="1">
+              <a:schemeClr val="accent1"/>
+            </a:fillRef>
+            <a:effectRef idx="0">
+              <a:schemeClr val="accent1"/>
+            </a:effectRef>
+            <a:fontRef idx="minor">
+              <a:schemeClr val="lt1"/>
+            </a:fontRef>
+          </p:style>
+          <p:txBody>
+            <a:bodyPr rtlCol="0" anchor="ctr"/>
+            <a:lstStyle/>
+            <a:p>
+              <a:pPr algn="ctr"/>
+              <a:endParaRPr lang="ko-KR" altLang="en-US">
+                <a:solidFill>
+                  <a:prstClr val="white"/>
+                </a:solidFill>
+              </a:endParaRPr>
+            </a:p>
+          </p:txBody>
+        </p:sp>
+        <p:sp>
+          <p:nvSpPr>
+            <p:cNvPr id="19" name="사각형: 둥근 모서리 8">
+              <a:extLst>
+                <a:ext uri="{FF2B5EF4-FFF2-40B4-BE49-F238E27FC236}">
+                  <a16:creationId xmlns:a16="http://schemas.microsoft.com/office/drawing/2014/main" id="{04897E63-C1F0-42F2-9DFC-4A495806F70C}"/>
+                </a:ext>
+              </a:extLst>
+            </p:cNvPr>
+            <p:cNvSpPr/>
+            <p:nvPr/>
+          </p:nvSpPr>
+          <p:spPr>
+            <a:xfrm>
+              <a:off x="176892" y="217716"/>
+              <a:ext cx="6147707" cy="639536"/>
+            </a:xfrm>
+            <a:prstGeom prst="roundRect">
+              <a:avLst/>
+            </a:prstGeom>
+            <a:solidFill>
+              <a:srgbClr val="F6F1E5"/>
+            </a:solidFill>
+            <a:ln w="31750">
+              <a:solidFill>
+                <a:srgbClr val="675750"/>
+              </a:solidFill>
+            </a:ln>
+            <a:effectLst>
+              <a:innerShdw dist="127000" dir="13500000">
+                <a:prstClr val="black">
+                  <a:alpha val="10000"/>
+                </a:prstClr>
+              </a:innerShdw>
+            </a:effectLst>
+          </p:spPr>
+          <p:style>
+            <a:lnRef idx="2">
+              <a:schemeClr val="accent1">
+                <a:shade val="50000"/>
+              </a:schemeClr>
+            </a:lnRef>
+            <a:fillRef idx="1">
+              <a:schemeClr val="accent1"/>
+            </a:fillRef>
+            <a:effectRef idx="0">
+              <a:schemeClr val="accent1"/>
+            </a:effectRef>
+            <a:fontRef idx="minor">
+              <a:schemeClr val="lt1"/>
+            </a:fontRef>
+          </p:style>
+          <p:txBody>
+            <a:bodyPr rtlCol="0" anchor="ctr"/>
+            <a:lstStyle/>
+            <a:p>
+              <a:pPr marL="628650" lvl="1" latinLnBrk="0">
+                <a:defRPr/>
+              </a:pPr>
+              <a:r>
+                <a:rPr lang="zh-TW" altLang="en-US" sz="2400" b="1" dirty="0">
+                  <a:solidFill>
+                    <a:srgbClr val="695D46"/>
+                  </a:solidFill>
+                  <a:latin typeface="標楷體" panose="03000509000000000000" pitchFamily="65" charset="-120"/>
+                  <a:ea typeface="標楷體" panose="03000509000000000000" pitchFamily="65" charset="-120"/>
+                </a:rPr>
+                <a:t>程式碼連結</a:t>
+              </a:r>
+              <a:endParaRPr lang="ko-KR" altLang="en-US" sz="2400" b="1" dirty="0">
+                <a:solidFill>
+                  <a:srgbClr val="695D46"/>
+                </a:solidFill>
+                <a:latin typeface="標楷體" panose="03000509000000000000" pitchFamily="65" charset="-120"/>
+              </a:endParaRPr>
+            </a:p>
+          </p:txBody>
+        </p:sp>
+        <p:sp>
+          <p:nvSpPr>
+            <p:cNvPr id="20" name="타원 9">
+              <a:extLst>
+                <a:ext uri="{FF2B5EF4-FFF2-40B4-BE49-F238E27FC236}">
+                  <a16:creationId xmlns:a16="http://schemas.microsoft.com/office/drawing/2014/main" id="{1134BC3C-6DE2-4ED6-920E-05EEE3DC306F}"/>
+                </a:ext>
+              </a:extLst>
+            </p:cNvPr>
+            <p:cNvSpPr/>
+            <p:nvPr/>
+          </p:nvSpPr>
+          <p:spPr>
+            <a:xfrm>
+              <a:off x="325709" y="331605"/>
+              <a:ext cx="436156" cy="436156"/>
+            </a:xfrm>
+            <a:prstGeom prst="ellipse">
+              <a:avLst/>
+            </a:prstGeom>
+            <a:solidFill>
+              <a:schemeClr val="accent5">
+                <a:lumMod val="20000"/>
+                <a:lumOff val="80000"/>
+              </a:schemeClr>
+            </a:solidFill>
+            <a:ln w="31750">
+              <a:solidFill>
+                <a:srgbClr val="675750"/>
+              </a:solidFill>
+            </a:ln>
+            <a:effectLst>
+              <a:innerShdw dist="127000" dir="13500000">
+                <a:prstClr val="black">
+                  <a:alpha val="10000"/>
+                </a:prstClr>
+              </a:innerShdw>
+            </a:effectLst>
+          </p:spPr>
+          <p:style>
+            <a:lnRef idx="2">
+              <a:schemeClr val="accent1">
+                <a:shade val="50000"/>
+              </a:schemeClr>
+            </a:lnRef>
+            <a:fillRef idx="1">
+              <a:schemeClr val="accent1"/>
+            </a:fillRef>
+            <a:effectRef idx="0">
+              <a:schemeClr val="accent1"/>
+            </a:effectRef>
+            <a:fontRef idx="minor">
+              <a:schemeClr val="lt1"/>
+            </a:fontRef>
+          </p:style>
+          <p:txBody>
+            <a:bodyPr wrap="none" rtlCol="0" anchor="ctr"/>
+            <a:lstStyle/>
+            <a:p>
+              <a:pPr algn="ctr"/>
+              <a:r>
+                <a:rPr lang="en-US" altLang="ko-KR" b="1" dirty="0">
+                  <a:solidFill>
+                    <a:srgbClr val="675750"/>
+                  </a:solidFill>
+                </a:rPr>
+                <a:t>0</a:t>
+              </a:r>
+              <a:r>
+                <a:rPr lang="en-US" altLang="zh-TW" b="1" dirty="0">
+                  <a:solidFill>
+                    <a:srgbClr val="675750"/>
+                  </a:solidFill>
+                </a:rPr>
+                <a:t>5</a:t>
+              </a:r>
+              <a:endParaRPr lang="ko-KR" altLang="en-US" b="1" dirty="0">
+                <a:solidFill>
+                  <a:srgbClr val="675750"/>
+                </a:solidFill>
+              </a:endParaRPr>
+            </a:p>
+          </p:txBody>
+        </p:sp>
+        <p:sp>
+          <p:nvSpPr>
+            <p:cNvPr id="22" name="사각형: 둥근 모서리 10">
+              <a:extLst>
+                <a:ext uri="{FF2B5EF4-FFF2-40B4-BE49-F238E27FC236}">
+                  <a16:creationId xmlns:a16="http://schemas.microsoft.com/office/drawing/2014/main" id="{1DB09D66-D7AF-45A0-B0DC-E04D4339A225}"/>
+                </a:ext>
+              </a:extLst>
+            </p:cNvPr>
+            <p:cNvSpPr/>
+            <p:nvPr/>
+          </p:nvSpPr>
+          <p:spPr>
+            <a:xfrm>
+              <a:off x="253093" y="1185694"/>
+              <a:ext cx="11762014" cy="5543549"/>
+            </a:xfrm>
+            <a:prstGeom prst="roundRect">
+              <a:avLst>
+                <a:gd name="adj" fmla="val 1963"/>
+              </a:avLst>
+            </a:prstGeom>
+            <a:solidFill>
+              <a:srgbClr val="E4C1B1"/>
+            </a:solidFill>
+            <a:ln w="31750">
+              <a:solidFill>
+                <a:srgbClr val="675750"/>
+              </a:solidFill>
+            </a:ln>
+          </p:spPr>
+          <p:style>
+            <a:lnRef idx="2">
+              <a:schemeClr val="accent1">
+                <a:shade val="50000"/>
+              </a:schemeClr>
+            </a:lnRef>
+            <a:fillRef idx="1">
+              <a:schemeClr val="accent1"/>
+            </a:fillRef>
+            <a:effectRef idx="0">
+              <a:schemeClr val="accent1"/>
+            </a:effectRef>
+            <a:fontRef idx="minor">
+              <a:schemeClr val="lt1"/>
+            </a:fontRef>
+          </p:style>
+          <p:txBody>
+            <a:bodyPr rtlCol="0" anchor="ctr"/>
+            <a:lstStyle/>
+            <a:p>
+              <a:pPr algn="ctr"/>
+              <a:endParaRPr lang="ko-KR" altLang="en-US">
+                <a:solidFill>
+                  <a:prstClr val="white"/>
+                </a:solidFill>
+              </a:endParaRPr>
+            </a:p>
+          </p:txBody>
+        </p:sp>
+        <p:sp>
+          <p:nvSpPr>
+            <p:cNvPr id="23" name="사각형: 둥근 모서리 11">
+              <a:extLst>
+                <a:ext uri="{FF2B5EF4-FFF2-40B4-BE49-F238E27FC236}">
+                  <a16:creationId xmlns:a16="http://schemas.microsoft.com/office/drawing/2014/main" id="{BE5871C4-BBCE-4358-A375-3AAC97C9E812}"/>
+                </a:ext>
+              </a:extLst>
+            </p:cNvPr>
+            <p:cNvSpPr/>
+            <p:nvPr/>
+          </p:nvSpPr>
+          <p:spPr>
+            <a:xfrm>
+              <a:off x="176892" y="1099969"/>
+              <a:ext cx="11762013" cy="5540315"/>
+            </a:xfrm>
+            <a:prstGeom prst="roundRect">
+              <a:avLst>
+                <a:gd name="adj" fmla="val 1457"/>
+              </a:avLst>
+            </a:prstGeom>
+            <a:solidFill>
+              <a:schemeClr val="bg1"/>
+            </a:solidFill>
+            <a:ln w="31750">
+              <a:solidFill>
+                <a:srgbClr val="675750"/>
+              </a:solidFill>
+            </a:ln>
+            <a:effectLst>
+              <a:innerShdw dist="127000" dir="13500000">
+                <a:prstClr val="black">
+                  <a:alpha val="5000"/>
+                </a:prstClr>
+              </a:innerShdw>
+            </a:effectLst>
+          </p:spPr>
+          <p:style>
+            <a:lnRef idx="2">
+              <a:schemeClr val="accent1">
+                <a:shade val="50000"/>
+              </a:schemeClr>
+            </a:lnRef>
+            <a:fillRef idx="1">
+              <a:schemeClr val="accent1"/>
+            </a:fillRef>
+            <a:effectRef idx="0">
+              <a:schemeClr val="accent1"/>
+            </a:effectRef>
+            <a:fontRef idx="minor">
+              <a:schemeClr val="lt1"/>
+            </a:fontRef>
+          </p:style>
+          <p:txBody>
+            <a:bodyPr rtlCol="0" anchor="ctr"/>
+            <a:lstStyle/>
+            <a:p>
+              <a:pPr marL="0" lvl="1" latinLnBrk="0">
+                <a:defRPr/>
+              </a:pPr>
+              <a:endParaRPr lang="ko-KR" altLang="en-US" sz="3600" kern="0" dirty="0">
+                <a:solidFill>
+                  <a:srgbClr val="675750"/>
+                </a:solidFill>
+              </a:endParaRPr>
+            </a:p>
+          </p:txBody>
+        </p:sp>
+      </p:grpSp>
+      <p:pic>
+        <p:nvPicPr>
           <p:cNvPr id="3" name="圖片 2">
             <a:extLst>
               <a:ext uri="{FF2B5EF4-FFF2-40B4-BE49-F238E27FC236}">
@@ -5119,7 +5550,7 @@
     </p:spTree>
     <p:extLst>
       <p:ext uri="{BB962C8B-B14F-4D97-AF65-F5344CB8AC3E}">
-        <p14:creationId xmlns:p14="http://schemas.microsoft.com/office/powerpoint/2010/main" val="2735205605"/>
+        <p14:creationId xmlns:p14="http://schemas.microsoft.com/office/powerpoint/2010/main" val="3567992533"/>
       </p:ext>
     </p:extLst>
   </p:cSld>
